--- a/STAT348 Final Competition.pptx
+++ b/STAT348 Final Competition.pptx
@@ -263,7 +263,7 @@
           <a:p>
             <a:fld id="{6A4B53A7-3209-46A6-9454-F38EAC8F11E7}" type="datetimeFigureOut">
               <a:rPr lang="en-US" smtClean="0"/>
-              <a:t>12/3/25</a:t>
+              <a:t>12/7/25</a:t>
             </a:fld>
             <a:endParaRPr lang="en-US"/>
           </a:p>
@@ -514,7 +514,7 @@
           <a:p>
             <a:fld id="{6A4B53A7-3209-46A6-9454-F38EAC8F11E7}" type="datetimeFigureOut">
               <a:rPr lang="en-US" smtClean="0"/>
-              <a:t>12/3/25</a:t>
+              <a:t>12/7/25</a:t>
             </a:fld>
             <a:endParaRPr lang="en-US"/>
           </a:p>
@@ -775,7 +775,7 @@
           <a:p>
             <a:fld id="{6A4B53A7-3209-46A6-9454-F38EAC8F11E7}" type="datetimeFigureOut">
               <a:rPr lang="en-US" smtClean="0"/>
-              <a:t>12/3/25</a:t>
+              <a:t>12/7/25</a:t>
             </a:fld>
             <a:endParaRPr lang="en-US"/>
           </a:p>
@@ -1026,7 +1026,7 @@
           <a:p>
             <a:fld id="{6A4B53A7-3209-46A6-9454-F38EAC8F11E7}" type="datetimeFigureOut">
               <a:rPr lang="en-US" smtClean="0"/>
-              <a:t>12/3/25</a:t>
+              <a:t>12/7/25</a:t>
             </a:fld>
             <a:endParaRPr lang="en-US"/>
           </a:p>
@@ -1354,7 +1354,7 @@
           <a:p>
             <a:fld id="{6A4B53A7-3209-46A6-9454-F38EAC8F11E7}" type="datetimeFigureOut">
               <a:rPr lang="en-US" smtClean="0"/>
-              <a:t>12/3/25</a:t>
+              <a:t>12/7/25</a:t>
             </a:fld>
             <a:endParaRPr lang="en-US"/>
           </a:p>
@@ -1672,7 +1672,7 @@
           <a:p>
             <a:fld id="{6A4B53A7-3209-46A6-9454-F38EAC8F11E7}" type="datetimeFigureOut">
               <a:rPr lang="en-US" smtClean="0"/>
-              <a:t>12/3/25</a:t>
+              <a:t>12/7/25</a:t>
             </a:fld>
             <a:endParaRPr lang="en-US"/>
           </a:p>
@@ -2137,7 +2137,7 @@
           <a:p>
             <a:fld id="{6A4B53A7-3209-46A6-9454-F38EAC8F11E7}" type="datetimeFigureOut">
               <a:rPr lang="en-US" smtClean="0"/>
-              <a:t>12/3/25</a:t>
+              <a:t>12/7/25</a:t>
             </a:fld>
             <a:endParaRPr lang="en-US"/>
           </a:p>
@@ -2331,7 +2331,7 @@
           <a:p>
             <a:fld id="{6A4B53A7-3209-46A6-9454-F38EAC8F11E7}" type="datetimeFigureOut">
               <a:rPr lang="en-US" smtClean="0"/>
-              <a:t>12/3/25</a:t>
+              <a:t>12/7/25</a:t>
             </a:fld>
             <a:endParaRPr lang="en-US"/>
           </a:p>
@@ -2497,7 +2497,7 @@
           <a:p>
             <a:fld id="{6A4B53A7-3209-46A6-9454-F38EAC8F11E7}" type="datetimeFigureOut">
               <a:rPr lang="en-US" smtClean="0"/>
-              <a:t>12/3/25</a:t>
+              <a:t>12/7/25</a:t>
             </a:fld>
             <a:endParaRPr lang="en-US"/>
           </a:p>
@@ -2861,7 +2861,7 @@
           <a:p>
             <a:fld id="{6A4B53A7-3209-46A6-9454-F38EAC8F11E7}" type="datetimeFigureOut">
               <a:rPr lang="en-US" smtClean="0"/>
-              <a:t>12/3/25</a:t>
+              <a:t>12/7/25</a:t>
             </a:fld>
             <a:endParaRPr lang="en-US"/>
           </a:p>
@@ -3205,7 +3205,7 @@
           <a:p>
             <a:fld id="{6A4B53A7-3209-46A6-9454-F38EAC8F11E7}" type="datetimeFigureOut">
               <a:rPr lang="en-US" smtClean="0"/>
-              <a:t>12/3/25</a:t>
+              <a:t>12/7/25</a:t>
             </a:fld>
             <a:endParaRPr lang="en-US"/>
           </a:p>
@@ -3500,7 +3500,7 @@
             <a:fld id="{6A4B53A7-3209-46A6-9454-F38EAC8F11E7}" type="datetimeFigureOut">
               <a:rPr lang="en-US" smtClean="0"/>
               <a:pPr/>
-              <a:t>12/3/25</a:t>
+              <a:t>12/7/25</a:t>
             </a:fld>
             <a:endParaRPr lang="en-US" dirty="0"/>
           </a:p>
@@ -4565,10 +4565,44 @@
         </p:nvSpPr>
         <p:spPr/>
         <p:txBody>
-          <a:bodyPr/>
+          <a:bodyPr>
+            <a:normAutofit/>
+          </a:bodyPr>
           <a:lstStyle/>
           <a:p>
-            <a:endParaRPr lang="en-US"/>
+            <a:r>
+              <a:rPr lang="en-US" sz="2000" dirty="0"/>
+              <a:t>Auto dealerships face significant financial risk when purchasing used cars at auctions. Some vehicles arrive with hidden issues such as odometer tampering, unfixable mechanical problems, or title complications that prevent them from being sold. </a:t>
+            </a:r>
+          </a:p>
+          <a:p>
+            <a:r>
+              <a:rPr lang="en-US" sz="2000" dirty="0"/>
+              <a:t>These costly problem vehicles are known as </a:t>
+            </a:r>
+            <a:r>
+              <a:rPr lang="en-US" sz="2000" b="1" dirty="0"/>
+              <a:t>“kicks.”</a:t>
+            </a:r>
+          </a:p>
+          <a:p>
+            <a:r>
+              <a:rPr lang="en-US" sz="2000" dirty="0"/>
+              <a:t>Because kicks lead to transportation losses, wasted repair costs, and reduced resale value, dealerships benefit greatly from identifying high-risk vehicles before buying them.</a:t>
+            </a:r>
+          </a:p>
+          <a:p>
+            <a:r>
+              <a:rPr lang="en-US" sz="2000" dirty="0"/>
+              <a:t>GOAL: To predict whether a purchased auction vehicle will be a “bad buy,” helping dealerships make smarter and safer inventory decisions</a:t>
+            </a:r>
+            <a:r>
+              <a:rPr lang="en-US" dirty="0"/>
+              <a:t>.</a:t>
+            </a:r>
+          </a:p>
+          <a:p>
+            <a:endParaRPr lang="en-US" dirty="0"/>
           </a:p>
         </p:txBody>
       </p:sp>
@@ -4588,6 +4622,14 @@
 <file path=ppt/slides/slide3.xml><?xml version="1.0" encoding="utf-8"?>
 <p:sld xmlns:a="http://schemas.openxmlformats.org/drawingml/2006/main" xmlns:r="http://schemas.openxmlformats.org/officeDocument/2006/relationships" xmlns:p="http://schemas.openxmlformats.org/presentationml/2006/main">
   <p:cSld>
+    <p:bg>
+      <p:bgPr>
+        <a:solidFill>
+          <a:schemeClr val="bg1"/>
+        </a:solidFill>
+        <a:effectLst/>
+      </p:bgPr>
+    </p:bg>
     <p:spTree>
       <p:nvGrpSpPr>
         <p:cNvPr id="1" name=""/>
@@ -4602,6 +4644,66 @@
           <a:chExt cx="0" cy="0"/>
         </a:xfrm>
       </p:grpSpPr>
+      <p:sp useBgFill="1">
+        <p:nvSpPr>
+          <p:cNvPr id="18" name="Rectangle 17">
+            <a:extLst>
+              <a:ext uri="{FF2B5EF4-FFF2-40B4-BE49-F238E27FC236}">
+                <a16:creationId xmlns:a16="http://schemas.microsoft.com/office/drawing/2014/main" id="{BB7169B8-2507-43F4-A148-FA791CD9C678}"/>
+              </a:ext>
+              <a:ext uri="{C183D7F6-B498-43B3-948B-1728B52AA6E4}">
+                <adec:decorative xmlns:adec="http://schemas.microsoft.com/office/drawing/2017/decorative" val="1"/>
+              </a:ext>
+            </a:extLst>
+          </p:cNvPr>
+          <p:cNvSpPr>
+            <a:spLocks noGrp="1" noRot="1" noChangeAspect="1" noMove="1" noResize="1" noEditPoints="1" noAdjustHandles="1" noChangeArrowheads="1" noChangeShapeType="1" noTextEdit="1"/>
+          </p:cNvSpPr>
+          <p:nvPr>
+            <p:extLst>
+              <p:ext uri="{386F3935-93C4-4BCD-93E2-E3B085C9AB24}">
+                <p16:designElem xmlns:p16="http://schemas.microsoft.com/office/powerpoint/2015/main" val="1"/>
+              </p:ext>
+            </p:extLst>
+          </p:nvPr>
+        </p:nvSpPr>
+        <p:spPr>
+          <a:xfrm>
+            <a:off x="0" y="0"/>
+            <a:ext cx="12192000" cy="6858000"/>
+          </a:xfrm>
+          <a:prstGeom prst="rect">
+            <a:avLst/>
+          </a:prstGeom>
+          <a:ln>
+            <a:noFill/>
+          </a:ln>
+        </p:spPr>
+        <p:style>
+          <a:lnRef idx="2">
+            <a:schemeClr val="accent1">
+              <a:shade val="50000"/>
+            </a:schemeClr>
+          </a:lnRef>
+          <a:fillRef idx="1">
+            <a:schemeClr val="accent1"/>
+          </a:fillRef>
+          <a:effectRef idx="0">
+            <a:schemeClr val="accent1"/>
+          </a:effectRef>
+          <a:fontRef idx="minor">
+            <a:schemeClr val="lt1"/>
+          </a:fontRef>
+        </p:style>
+        <p:txBody>
+          <a:bodyPr rtlCol="0" anchor="ctr"/>
+          <a:lstStyle/>
+          <a:p>
+            <a:pPr algn="ctr"/>
+            <a:endParaRPr lang="en-US"/>
+          </a:p>
+        </p:txBody>
+      </p:sp>
       <p:sp>
         <p:nvSpPr>
           <p:cNvPr id="2" name="Title 1">
@@ -4618,13 +4720,27 @@
             <p:ph type="title"/>
           </p:nvPr>
         </p:nvSpPr>
-        <p:spPr/>
-        <p:txBody>
-          <a:bodyPr/>
+        <p:spPr>
+          <a:xfrm>
+            <a:off x="838199" y="3619967"/>
+            <a:ext cx="5257801" cy="2413971"/>
+          </a:xfrm>
+        </p:spPr>
+        <p:txBody>
+          <a:bodyPr vert="horz" lIns="91440" tIns="45720" rIns="91440" bIns="45720" rtlCol="0" anchor="b">
+            <a:normAutofit/>
+          </a:bodyPr>
           <a:lstStyle/>
           <a:p>
             <a:r>
-              <a:rPr lang="en-US" dirty="0"/>
+              <a:rPr lang="en-US" sz="5600" kern="1200">
+                <a:solidFill>
+                  <a:schemeClr val="tx1"/>
+                </a:solidFill>
+                <a:latin typeface="+mj-lt"/>
+                <a:ea typeface="+mj-ea"/>
+                <a:cs typeface="+mj-cs"/>
+              </a:rPr>
               <a:t>Description of Feature Engineering</a:t>
             </a:r>
           </a:p>
@@ -4632,26 +4748,948 @@
       </p:sp>
       <p:sp>
         <p:nvSpPr>
-          <p:cNvPr id="3" name="Content Placeholder 2">
-            <a:extLst>
-              <a:ext uri="{FF2B5EF4-FFF2-40B4-BE49-F238E27FC236}">
-                <a16:creationId xmlns:a16="http://schemas.microsoft.com/office/drawing/2014/main" id="{4C10EA46-54E8-595F-D8E3-E243BDE14206}"/>
-              </a:ext>
-            </a:extLst>
-          </p:cNvPr>
-          <p:cNvSpPr>
-            <a:spLocks noGrp="1"/>
-          </p:cNvSpPr>
+          <p:cNvPr id="20" name="Graphic 11">
+            <a:extLst>
+              <a:ext uri="{FF2B5EF4-FFF2-40B4-BE49-F238E27FC236}">
+                <a16:creationId xmlns:a16="http://schemas.microsoft.com/office/drawing/2014/main" id="{6CB927A4-E432-4310-9CD5-E89FF5063179}"/>
+              </a:ext>
+              <a:ext uri="{C183D7F6-B498-43B3-948B-1728B52AA6E4}">
+                <adec:decorative xmlns:adec="http://schemas.microsoft.com/office/drawing/2017/decorative" val="1"/>
+              </a:ext>
+            </a:extLst>
+          </p:cNvPr>
+          <p:cNvSpPr>
+            <a:spLocks noGrp="1" noRot="1" noChangeAspect="1" noMove="1" noResize="1" noEditPoints="1" noAdjustHandles="1" noChangeArrowheads="1" noChangeShapeType="1" noTextEdit="1"/>
+          </p:cNvSpPr>
+          <p:nvPr>
+            <p:extLst>
+              <p:ext uri="{386F3935-93C4-4BCD-93E2-E3B085C9AB24}">
+                <p16:designElem xmlns:p16="http://schemas.microsoft.com/office/powerpoint/2015/main" val="1"/>
+              </p:ext>
+            </p:extLst>
+          </p:nvPr>
+        </p:nvSpPr>
+        <p:spPr>
+          <a:xfrm>
+            <a:off x="5661620" y="635895"/>
+            <a:ext cx="139039" cy="139039"/>
+          </a:xfrm>
+          <a:custGeom>
+            <a:avLst/>
+            <a:gdLst>
+              <a:gd name="connsiteX0" fmla="*/ 129602 w 139039"/>
+              <a:gd name="connsiteY0" fmla="*/ 60082 h 139039"/>
+              <a:gd name="connsiteX1" fmla="*/ 78957 w 139039"/>
+              <a:gd name="connsiteY1" fmla="*/ 60082 h 139039"/>
+              <a:gd name="connsiteX2" fmla="*/ 78957 w 139039"/>
+              <a:gd name="connsiteY2" fmla="*/ 9437 h 139039"/>
+              <a:gd name="connsiteX3" fmla="*/ 69520 w 139039"/>
+              <a:gd name="connsiteY3" fmla="*/ 0 h 139039"/>
+              <a:gd name="connsiteX4" fmla="*/ 60082 w 139039"/>
+              <a:gd name="connsiteY4" fmla="*/ 9437 h 139039"/>
+              <a:gd name="connsiteX5" fmla="*/ 60082 w 139039"/>
+              <a:gd name="connsiteY5" fmla="*/ 60082 h 139039"/>
+              <a:gd name="connsiteX6" fmla="*/ 9437 w 139039"/>
+              <a:gd name="connsiteY6" fmla="*/ 60082 h 139039"/>
+              <a:gd name="connsiteX7" fmla="*/ 0 w 139039"/>
+              <a:gd name="connsiteY7" fmla="*/ 69520 h 139039"/>
+              <a:gd name="connsiteX8" fmla="*/ 9437 w 139039"/>
+              <a:gd name="connsiteY8" fmla="*/ 78957 h 139039"/>
+              <a:gd name="connsiteX9" fmla="*/ 60082 w 139039"/>
+              <a:gd name="connsiteY9" fmla="*/ 78957 h 139039"/>
+              <a:gd name="connsiteX10" fmla="*/ 60082 w 139039"/>
+              <a:gd name="connsiteY10" fmla="*/ 129602 h 139039"/>
+              <a:gd name="connsiteX11" fmla="*/ 69520 w 139039"/>
+              <a:gd name="connsiteY11" fmla="*/ 139039 h 139039"/>
+              <a:gd name="connsiteX12" fmla="*/ 78957 w 139039"/>
+              <a:gd name="connsiteY12" fmla="*/ 129602 h 139039"/>
+              <a:gd name="connsiteX13" fmla="*/ 78957 w 139039"/>
+              <a:gd name="connsiteY13" fmla="*/ 78957 h 139039"/>
+              <a:gd name="connsiteX14" fmla="*/ 129602 w 139039"/>
+              <a:gd name="connsiteY14" fmla="*/ 78957 h 139039"/>
+              <a:gd name="connsiteX15" fmla="*/ 139039 w 139039"/>
+              <a:gd name="connsiteY15" fmla="*/ 69520 h 139039"/>
+              <a:gd name="connsiteX16" fmla="*/ 129602 w 139039"/>
+              <a:gd name="connsiteY16" fmla="*/ 60082 h 139039"/>
+            </a:gdLst>
+            <a:ahLst/>
+            <a:cxnLst>
+              <a:cxn ang="0">
+                <a:pos x="connsiteX0" y="connsiteY0"/>
+              </a:cxn>
+              <a:cxn ang="0">
+                <a:pos x="connsiteX1" y="connsiteY1"/>
+              </a:cxn>
+              <a:cxn ang="0">
+                <a:pos x="connsiteX2" y="connsiteY2"/>
+              </a:cxn>
+              <a:cxn ang="0">
+                <a:pos x="connsiteX3" y="connsiteY3"/>
+              </a:cxn>
+              <a:cxn ang="0">
+                <a:pos x="connsiteX4" y="connsiteY4"/>
+              </a:cxn>
+              <a:cxn ang="0">
+                <a:pos x="connsiteX5" y="connsiteY5"/>
+              </a:cxn>
+              <a:cxn ang="0">
+                <a:pos x="connsiteX6" y="connsiteY6"/>
+              </a:cxn>
+              <a:cxn ang="0">
+                <a:pos x="connsiteX7" y="connsiteY7"/>
+              </a:cxn>
+              <a:cxn ang="0">
+                <a:pos x="connsiteX8" y="connsiteY8"/>
+              </a:cxn>
+              <a:cxn ang="0">
+                <a:pos x="connsiteX9" y="connsiteY9"/>
+              </a:cxn>
+              <a:cxn ang="0">
+                <a:pos x="connsiteX10" y="connsiteY10"/>
+              </a:cxn>
+              <a:cxn ang="0">
+                <a:pos x="connsiteX11" y="connsiteY11"/>
+              </a:cxn>
+              <a:cxn ang="0">
+                <a:pos x="connsiteX12" y="connsiteY12"/>
+              </a:cxn>
+              <a:cxn ang="0">
+                <a:pos x="connsiteX13" y="connsiteY13"/>
+              </a:cxn>
+              <a:cxn ang="0">
+                <a:pos x="connsiteX14" y="connsiteY14"/>
+              </a:cxn>
+              <a:cxn ang="0">
+                <a:pos x="connsiteX15" y="connsiteY15"/>
+              </a:cxn>
+              <a:cxn ang="0">
+                <a:pos x="connsiteX16" y="connsiteY16"/>
+              </a:cxn>
+            </a:cxnLst>
+            <a:rect l="l" t="t" r="r" b="b"/>
+            <a:pathLst>
+              <a:path w="139039" h="139039">
+                <a:moveTo>
+                  <a:pt x="129602" y="60082"/>
+                </a:moveTo>
+                <a:lnTo>
+                  <a:pt x="78957" y="60082"/>
+                </a:lnTo>
+                <a:lnTo>
+                  <a:pt x="78957" y="9437"/>
+                </a:lnTo>
+                <a:cubicBezTo>
+                  <a:pt x="78957" y="4225"/>
+                  <a:pt x="74731" y="0"/>
+                  <a:pt x="69520" y="0"/>
+                </a:cubicBezTo>
+                <a:cubicBezTo>
+                  <a:pt x="64308" y="0"/>
+                  <a:pt x="60082" y="4225"/>
+                  <a:pt x="60082" y="9437"/>
+                </a:cubicBezTo>
+                <a:lnTo>
+                  <a:pt x="60082" y="60082"/>
+                </a:lnTo>
+                <a:lnTo>
+                  <a:pt x="9437" y="60082"/>
+                </a:lnTo>
+                <a:cubicBezTo>
+                  <a:pt x="4225" y="60082"/>
+                  <a:pt x="0" y="64308"/>
+                  <a:pt x="0" y="69520"/>
+                </a:cubicBezTo>
+                <a:cubicBezTo>
+                  <a:pt x="0" y="74731"/>
+                  <a:pt x="4225" y="78957"/>
+                  <a:pt x="9437" y="78957"/>
+                </a:cubicBezTo>
+                <a:lnTo>
+                  <a:pt x="60082" y="78957"/>
+                </a:lnTo>
+                <a:lnTo>
+                  <a:pt x="60082" y="129602"/>
+                </a:lnTo>
+                <a:cubicBezTo>
+                  <a:pt x="60082" y="134814"/>
+                  <a:pt x="64308" y="139039"/>
+                  <a:pt x="69520" y="139039"/>
+                </a:cubicBezTo>
+                <a:cubicBezTo>
+                  <a:pt x="74731" y="139039"/>
+                  <a:pt x="78957" y="134814"/>
+                  <a:pt x="78957" y="129602"/>
+                </a:cubicBezTo>
+                <a:lnTo>
+                  <a:pt x="78957" y="78957"/>
+                </a:lnTo>
+                <a:lnTo>
+                  <a:pt x="129602" y="78957"/>
+                </a:lnTo>
+                <a:cubicBezTo>
+                  <a:pt x="134814" y="78957"/>
+                  <a:pt x="139039" y="74731"/>
+                  <a:pt x="139039" y="69520"/>
+                </a:cubicBezTo>
+                <a:cubicBezTo>
+                  <a:pt x="139039" y="64308"/>
+                  <a:pt x="134814" y="60082"/>
+                  <a:pt x="129602" y="60082"/>
+                </a:cubicBezTo>
+                <a:close/>
+              </a:path>
+            </a:pathLst>
+          </a:custGeom>
+          <a:solidFill>
+            <a:schemeClr val="accent4"/>
+          </a:solidFill>
+          <a:ln w="603" cap="flat">
+            <a:noFill/>
+            <a:prstDash val="solid"/>
+            <a:miter/>
+          </a:ln>
+        </p:spPr>
+        <p:txBody>
+          <a:bodyPr rtlCol="0" anchor="ctr"/>
+          <a:lstStyle/>
+          <a:p>
+            <a:endParaRPr lang="en-US"/>
+          </a:p>
+        </p:txBody>
+      </p:sp>
+      <p:sp>
+        <p:nvSpPr>
+          <p:cNvPr id="21" name="Graphic 10">
+            <a:extLst>
+              <a:ext uri="{FF2B5EF4-FFF2-40B4-BE49-F238E27FC236}">
+                <a16:creationId xmlns:a16="http://schemas.microsoft.com/office/drawing/2014/main" id="{E3020543-B24B-4EC4-8FFC-8DD88EEA91A8}"/>
+              </a:ext>
+              <a:ext uri="{C183D7F6-B498-43B3-948B-1728B52AA6E4}">
+                <adec:decorative xmlns:adec="http://schemas.microsoft.com/office/drawing/2017/decorative" val="1"/>
+              </a:ext>
+            </a:extLst>
+          </p:cNvPr>
+          <p:cNvSpPr>
+            <a:spLocks noGrp="1" noRot="1" noChangeAspect="1" noMove="1" noResize="1" noEditPoints="1" noAdjustHandles="1" noChangeArrowheads="1" noChangeShapeType="1" noTextEdit="1"/>
+          </p:cNvSpPr>
+          <p:nvPr>
+            <p:extLst>
+              <p:ext uri="{386F3935-93C4-4BCD-93E2-E3B085C9AB24}">
+                <p16:designElem xmlns:p16="http://schemas.microsoft.com/office/powerpoint/2015/main" val="1"/>
+              </p:ext>
+            </p:extLst>
+          </p:nvPr>
+        </p:nvSpPr>
+        <p:spPr>
+          <a:xfrm>
+            <a:off x="6062733" y="769510"/>
+            <a:ext cx="91138" cy="91138"/>
+          </a:xfrm>
+          <a:custGeom>
+            <a:avLst/>
+            <a:gdLst>
+              <a:gd name="connsiteX0" fmla="*/ 91138 w 91138"/>
+              <a:gd name="connsiteY0" fmla="*/ 45569 h 91138"/>
+              <a:gd name="connsiteX1" fmla="*/ 45569 w 91138"/>
+              <a:gd name="connsiteY1" fmla="*/ 91138 h 91138"/>
+              <a:gd name="connsiteX2" fmla="*/ 0 w 91138"/>
+              <a:gd name="connsiteY2" fmla="*/ 45569 h 91138"/>
+              <a:gd name="connsiteX3" fmla="*/ 45569 w 91138"/>
+              <a:gd name="connsiteY3" fmla="*/ 0 h 91138"/>
+              <a:gd name="connsiteX4" fmla="*/ 91138 w 91138"/>
+              <a:gd name="connsiteY4" fmla="*/ 45569 h 91138"/>
+            </a:gdLst>
+            <a:ahLst/>
+            <a:cxnLst>
+              <a:cxn ang="0">
+                <a:pos x="connsiteX0" y="connsiteY0"/>
+              </a:cxn>
+              <a:cxn ang="0">
+                <a:pos x="connsiteX1" y="connsiteY1"/>
+              </a:cxn>
+              <a:cxn ang="0">
+                <a:pos x="connsiteX2" y="connsiteY2"/>
+              </a:cxn>
+              <a:cxn ang="0">
+                <a:pos x="connsiteX3" y="connsiteY3"/>
+              </a:cxn>
+              <a:cxn ang="0">
+                <a:pos x="connsiteX4" y="connsiteY4"/>
+              </a:cxn>
+            </a:cxnLst>
+            <a:rect l="l" t="t" r="r" b="b"/>
+            <a:pathLst>
+              <a:path w="91138" h="91138">
+                <a:moveTo>
+                  <a:pt x="91138" y="45569"/>
+                </a:moveTo>
+                <a:cubicBezTo>
+                  <a:pt x="91138" y="70736"/>
+                  <a:pt x="70736" y="91138"/>
+                  <a:pt x="45569" y="91138"/>
+                </a:cubicBezTo>
+                <a:cubicBezTo>
+                  <a:pt x="20402" y="91138"/>
+                  <a:pt x="0" y="70736"/>
+                  <a:pt x="0" y="45569"/>
+                </a:cubicBezTo>
+                <a:cubicBezTo>
+                  <a:pt x="0" y="20402"/>
+                  <a:pt x="20402" y="0"/>
+                  <a:pt x="45569" y="0"/>
+                </a:cubicBezTo>
+                <a:cubicBezTo>
+                  <a:pt x="70736" y="0"/>
+                  <a:pt x="91138" y="20402"/>
+                  <a:pt x="91138" y="45569"/>
+                </a:cubicBezTo>
+                <a:close/>
+              </a:path>
+            </a:pathLst>
+          </a:custGeom>
+          <a:solidFill>
+            <a:schemeClr val="accent4"/>
+          </a:solidFill>
+          <a:ln w="422" cap="flat">
+            <a:noFill/>
+            <a:prstDash val="solid"/>
+            <a:miter/>
+          </a:ln>
+        </p:spPr>
+        <p:txBody>
+          <a:bodyPr rtlCol="0" anchor="ctr"/>
+          <a:lstStyle/>
+          <a:p>
+            <a:endParaRPr lang="en-US"/>
+          </a:p>
+        </p:txBody>
+      </p:sp>
+      <p:cxnSp>
+        <p:nvCxnSpPr>
+          <p:cNvPr id="17" name="Straight Connector 16">
+            <a:extLst>
+              <a:ext uri="{FF2B5EF4-FFF2-40B4-BE49-F238E27FC236}">
+                <a16:creationId xmlns:a16="http://schemas.microsoft.com/office/drawing/2014/main" id="{C49DA8F6-BCC1-4447-B54C-57856834B94B}"/>
+              </a:ext>
+              <a:ext uri="{C183D7F6-B498-43B3-948B-1728B52AA6E4}">
+                <adec:decorative xmlns:adec="http://schemas.microsoft.com/office/drawing/2017/decorative" val="1"/>
+              </a:ext>
+            </a:extLst>
+          </p:cNvPr>
+          <p:cNvCxnSpPr>
+            <a:cxnSpLocks noGrp="1" noRot="1" noChangeAspect="1" noMove="1" noResize="1" noEditPoints="1" noAdjustHandles="1" noChangeArrowheads="1" noChangeShapeType="1"/>
+          </p:cNvCxnSpPr>
+          <p:nvPr>
+            <p:extLst>
+              <p:ext uri="{386F3935-93C4-4BCD-93E2-E3B085C9AB24}">
+                <p16:designElem xmlns:p16="http://schemas.microsoft.com/office/powerpoint/2015/main" val="1"/>
+              </p:ext>
+            </p:extLst>
+          </p:nvPr>
+        </p:nvCxnSpPr>
+        <p:spPr>
+          <a:xfrm>
+            <a:off x="623622" y="906628"/>
+            <a:ext cx="0" cy="5942494"/>
+          </a:xfrm>
+          <a:prstGeom prst="line">
+            <a:avLst/>
+          </a:prstGeom>
+          <a:ln w="25400" cap="sq">
+            <a:gradFill flip="none" rotWithShape="1">
+              <a:gsLst>
+                <a:gs pos="0">
+                  <a:schemeClr val="accent2"/>
+                </a:gs>
+                <a:gs pos="100000">
+                  <a:schemeClr val="accent4"/>
+                </a:gs>
+              </a:gsLst>
+              <a:lin ang="16200000" scaled="1"/>
+              <a:tileRect/>
+            </a:gradFill>
+            <a:bevel/>
+          </a:ln>
+        </p:spPr>
+        <p:style>
+          <a:lnRef idx="1">
+            <a:schemeClr val="accent1"/>
+          </a:lnRef>
+          <a:fillRef idx="0">
+            <a:schemeClr val="accent1"/>
+          </a:fillRef>
+          <a:effectRef idx="0">
+            <a:schemeClr val="accent1"/>
+          </a:effectRef>
+          <a:fontRef idx="minor">
+            <a:schemeClr val="tx1"/>
+          </a:fontRef>
+        </p:style>
+      </p:cxnSp>
+      <p:pic>
+        <p:nvPicPr>
+          <p:cNvPr id="5" name="Content Placeholder 4" descr="A computer code with text&#10;&#10;AI-generated content may be incorrect.">
+            <a:extLst>
+              <a:ext uri="{FF2B5EF4-FFF2-40B4-BE49-F238E27FC236}">
+                <a16:creationId xmlns:a16="http://schemas.microsoft.com/office/drawing/2014/main" id="{554DC2EE-90C0-CC57-E8DC-0105BC729A7B}"/>
+              </a:ext>
+            </a:extLst>
+          </p:cNvPr>
+          <p:cNvPicPr>
+            <a:picLocks noGrp="1" noChangeAspect="1"/>
+          </p:cNvPicPr>
           <p:nvPr>
             <p:ph idx="1"/>
           </p:nvPr>
-        </p:nvSpPr>
-        <p:spPr/>
-        <p:txBody>
-          <a:bodyPr/>
+        </p:nvPicPr>
+        <p:blipFill>
+          <a:blip r:embed="rId2"/>
+          <a:stretch>
+            <a:fillRect/>
+          </a:stretch>
+        </p:blipFill>
+        <p:spPr>
+          <a:xfrm>
+            <a:off x="859397" y="861824"/>
+            <a:ext cx="4691846" cy="2240355"/>
+          </a:xfrm>
+          <a:prstGeom prst="rect">
+            <a:avLst/>
+          </a:prstGeom>
+        </p:spPr>
+      </p:pic>
+      <p:sp>
+        <p:nvSpPr>
+          <p:cNvPr id="19" name="Graphic 12">
+            <a:extLst>
+              <a:ext uri="{FF2B5EF4-FFF2-40B4-BE49-F238E27FC236}">
+                <a16:creationId xmlns:a16="http://schemas.microsoft.com/office/drawing/2014/main" id="{1453BF6C-B012-48B7-B4E8-6D7AC7C27D02}"/>
+              </a:ext>
+              <a:ext uri="{C183D7F6-B498-43B3-948B-1728B52AA6E4}">
+                <adec:decorative xmlns:adec="http://schemas.microsoft.com/office/drawing/2017/decorative" val="1"/>
+              </a:ext>
+            </a:extLst>
+          </p:cNvPr>
+          <p:cNvSpPr>
+            <a:spLocks noGrp="1" noRot="1" noChangeAspect="1" noMove="1" noResize="1" noEditPoints="1" noAdjustHandles="1" noChangeArrowheads="1" noChangeShapeType="1" noTextEdit="1"/>
+          </p:cNvSpPr>
+          <p:nvPr>
+            <p:extLst>
+              <p:ext uri="{386F3935-93C4-4BCD-93E2-E3B085C9AB24}">
+                <p16:designElem xmlns:p16="http://schemas.microsoft.com/office/powerpoint/2015/main" val="1"/>
+              </p:ext>
+            </p:extLst>
+          </p:nvPr>
+        </p:nvSpPr>
+        <p:spPr>
+          <a:xfrm>
+            <a:off x="5841870" y="1359722"/>
+            <a:ext cx="127714" cy="127714"/>
+          </a:xfrm>
+          <a:custGeom>
+            <a:avLst/>
+            <a:gdLst>
+              <a:gd name="connsiteX0" fmla="*/ 63857 w 127714"/>
+              <a:gd name="connsiteY0" fmla="*/ 18874 h 127714"/>
+              <a:gd name="connsiteX1" fmla="*/ 108840 w 127714"/>
+              <a:gd name="connsiteY1" fmla="*/ 63857 h 127714"/>
+              <a:gd name="connsiteX2" fmla="*/ 63857 w 127714"/>
+              <a:gd name="connsiteY2" fmla="*/ 108840 h 127714"/>
+              <a:gd name="connsiteX3" fmla="*/ 18874 w 127714"/>
+              <a:gd name="connsiteY3" fmla="*/ 63857 h 127714"/>
+              <a:gd name="connsiteX4" fmla="*/ 63857 w 127714"/>
+              <a:gd name="connsiteY4" fmla="*/ 18874 h 127714"/>
+              <a:gd name="connsiteX5" fmla="*/ 63857 w 127714"/>
+              <a:gd name="connsiteY5" fmla="*/ 0 h 127714"/>
+              <a:gd name="connsiteX6" fmla="*/ 0 w 127714"/>
+              <a:gd name="connsiteY6" fmla="*/ 63857 h 127714"/>
+              <a:gd name="connsiteX7" fmla="*/ 63857 w 127714"/>
+              <a:gd name="connsiteY7" fmla="*/ 127714 h 127714"/>
+              <a:gd name="connsiteX8" fmla="*/ 127714 w 127714"/>
+              <a:gd name="connsiteY8" fmla="*/ 63857 h 127714"/>
+              <a:gd name="connsiteX9" fmla="*/ 63857 w 127714"/>
+              <a:gd name="connsiteY9" fmla="*/ 0 h 127714"/>
+            </a:gdLst>
+            <a:ahLst/>
+            <a:cxnLst>
+              <a:cxn ang="0">
+                <a:pos x="connsiteX0" y="connsiteY0"/>
+              </a:cxn>
+              <a:cxn ang="0">
+                <a:pos x="connsiteX1" y="connsiteY1"/>
+              </a:cxn>
+              <a:cxn ang="0">
+                <a:pos x="connsiteX2" y="connsiteY2"/>
+              </a:cxn>
+              <a:cxn ang="0">
+                <a:pos x="connsiteX3" y="connsiteY3"/>
+              </a:cxn>
+              <a:cxn ang="0">
+                <a:pos x="connsiteX4" y="connsiteY4"/>
+              </a:cxn>
+              <a:cxn ang="0">
+                <a:pos x="connsiteX5" y="connsiteY5"/>
+              </a:cxn>
+              <a:cxn ang="0">
+                <a:pos x="connsiteX6" y="connsiteY6"/>
+              </a:cxn>
+              <a:cxn ang="0">
+                <a:pos x="connsiteX7" y="connsiteY7"/>
+              </a:cxn>
+              <a:cxn ang="0">
+                <a:pos x="connsiteX8" y="connsiteY8"/>
+              </a:cxn>
+              <a:cxn ang="0">
+                <a:pos x="connsiteX9" y="connsiteY9"/>
+              </a:cxn>
+            </a:cxnLst>
+            <a:rect l="l" t="t" r="r" b="b"/>
+            <a:pathLst>
+              <a:path w="127714" h="127714">
+                <a:moveTo>
+                  <a:pt x="63857" y="18874"/>
+                </a:moveTo>
+                <a:cubicBezTo>
+                  <a:pt x="88700" y="18874"/>
+                  <a:pt x="108840" y="39014"/>
+                  <a:pt x="108840" y="63857"/>
+                </a:cubicBezTo>
+                <a:cubicBezTo>
+                  <a:pt x="108840" y="88700"/>
+                  <a:pt x="88700" y="108840"/>
+                  <a:pt x="63857" y="108840"/>
+                </a:cubicBezTo>
+                <a:cubicBezTo>
+                  <a:pt x="39014" y="108840"/>
+                  <a:pt x="18874" y="88700"/>
+                  <a:pt x="18874" y="63857"/>
+                </a:cubicBezTo>
+                <a:cubicBezTo>
+                  <a:pt x="18898" y="39024"/>
+                  <a:pt x="39024" y="18898"/>
+                  <a:pt x="63857" y="18874"/>
+                </a:cubicBezTo>
+                <a:moveTo>
+                  <a:pt x="63857" y="0"/>
+                </a:moveTo>
+                <a:cubicBezTo>
+                  <a:pt x="28590" y="0"/>
+                  <a:pt x="0" y="28590"/>
+                  <a:pt x="0" y="63857"/>
+                </a:cubicBezTo>
+                <a:cubicBezTo>
+                  <a:pt x="0" y="99124"/>
+                  <a:pt x="28590" y="127714"/>
+                  <a:pt x="63857" y="127714"/>
+                </a:cubicBezTo>
+                <a:cubicBezTo>
+                  <a:pt x="99124" y="127714"/>
+                  <a:pt x="127714" y="99124"/>
+                  <a:pt x="127714" y="63857"/>
+                </a:cubicBezTo>
+                <a:cubicBezTo>
+                  <a:pt x="127714" y="28590"/>
+                  <a:pt x="99124" y="0"/>
+                  <a:pt x="63857" y="0"/>
+                </a:cubicBezTo>
+                <a:close/>
+              </a:path>
+            </a:pathLst>
+          </a:custGeom>
+          <a:solidFill>
+            <a:schemeClr val="accent4"/>
+          </a:solidFill>
+          <a:ln w="610" cap="flat">
+            <a:noFill/>
+            <a:prstDash val="solid"/>
+            <a:miter/>
+          </a:ln>
+        </p:spPr>
+        <p:txBody>
+          <a:bodyPr rtlCol="0" anchor="ctr"/>
           <a:lstStyle/>
           <a:p>
             <a:endParaRPr lang="en-US"/>
+          </a:p>
+        </p:txBody>
+      </p:sp>
+      <p:sp>
+        <p:nvSpPr>
+          <p:cNvPr id="6" name="TextBox 5">
+            <a:extLst>
+              <a:ext uri="{FF2B5EF4-FFF2-40B4-BE49-F238E27FC236}">
+                <a16:creationId xmlns:a16="http://schemas.microsoft.com/office/drawing/2014/main" id="{DCB8EB48-FCA0-87EF-38E1-A6CE89FAE85E}"/>
+              </a:ext>
+            </a:extLst>
+          </p:cNvPr>
+          <p:cNvSpPr txBox="1"/>
+          <p:nvPr/>
+        </p:nvSpPr>
+        <p:spPr>
+          <a:xfrm>
+            <a:off x="6410640" y="1487436"/>
+            <a:ext cx="4853873" cy="5147028"/>
+          </a:xfrm>
+          <a:prstGeom prst="rect">
+            <a:avLst/>
+          </a:prstGeom>
+        </p:spPr>
+        <p:txBody>
+          <a:bodyPr vert="horz" lIns="91440" tIns="45720" rIns="91440" bIns="45720" rtlCol="0" anchor="b">
+            <a:noAutofit/>
+          </a:bodyPr>
+          <a:lstStyle/>
+          <a:p>
+            <a:pPr indent="-228600">
+              <a:lnSpc>
+                <a:spcPct val="90000"/>
+              </a:lnSpc>
+              <a:spcAft>
+                <a:spcPts val="600"/>
+              </a:spcAft>
+              <a:buFont typeface="Arial" panose="020B0604020202020204" pitchFamily="34" charset="0"/>
+              <a:buChar char="•"/>
+            </a:pPr>
+            <a:r>
+              <a:rPr lang="en-US" sz="1000" b="1" dirty="0"/>
+              <a:t>Identify ID Column</a:t>
+            </a:r>
+            <a:br>
+              <a:rPr lang="en-US" sz="1000" dirty="0"/>
+            </a:br>
+            <a:r>
+              <a:rPr lang="en-US" sz="1000" dirty="0"/>
+              <a:t>- </a:t>
+            </a:r>
+            <a:r>
+              <a:rPr lang="en-US" sz="1000" i="1" dirty="0" err="1"/>
+              <a:t>RefId</a:t>
+            </a:r>
+            <a:r>
+              <a:rPr lang="en-US" sz="1000" dirty="0"/>
+              <a:t> is marked as an identifier so it is not used as a predictor in the model.</a:t>
+            </a:r>
+          </a:p>
+          <a:p>
+            <a:pPr indent="-228600">
+              <a:lnSpc>
+                <a:spcPct val="90000"/>
+              </a:lnSpc>
+              <a:spcAft>
+                <a:spcPts val="600"/>
+              </a:spcAft>
+              <a:buFont typeface="Arial" panose="020B0604020202020204" pitchFamily="34" charset="0"/>
+              <a:buChar char="•"/>
+            </a:pPr>
+            <a:endParaRPr lang="en-US" sz="1000" dirty="0"/>
+          </a:p>
+          <a:p>
+            <a:pPr indent="-228600">
+              <a:lnSpc>
+                <a:spcPct val="90000"/>
+              </a:lnSpc>
+              <a:spcAft>
+                <a:spcPts val="600"/>
+              </a:spcAft>
+              <a:buFont typeface="Arial" panose="020B0604020202020204" pitchFamily="34" charset="0"/>
+              <a:buChar char="•"/>
+            </a:pPr>
+            <a:r>
+              <a:rPr lang="en-US" sz="1000" b="1" dirty="0"/>
+              <a:t>Convert Key Variables to Factors</a:t>
+            </a:r>
+            <a:br>
+              <a:rPr lang="en-US" sz="1000" dirty="0"/>
+            </a:br>
+            <a:r>
+              <a:rPr lang="en-US" sz="1000" dirty="0"/>
+              <a:t>- Important categorical fields such as </a:t>
+            </a:r>
+            <a:r>
+              <a:rPr lang="en-US" sz="1000" i="1" dirty="0" err="1"/>
+              <a:t>IsOnlineSale</a:t>
+            </a:r>
+            <a:r>
+              <a:rPr lang="en-US" sz="1000" dirty="0"/>
+              <a:t> and all other nominal predictors are converted to factors so the model treats them as categories instead of numbers.</a:t>
+            </a:r>
+          </a:p>
+          <a:p>
+            <a:pPr indent="-228600">
+              <a:lnSpc>
+                <a:spcPct val="90000"/>
+              </a:lnSpc>
+              <a:spcAft>
+                <a:spcPts val="600"/>
+              </a:spcAft>
+              <a:buFont typeface="Arial" panose="020B0604020202020204" pitchFamily="34" charset="0"/>
+              <a:buChar char="•"/>
+            </a:pPr>
+            <a:endParaRPr lang="en-US" sz="1000" dirty="0"/>
+          </a:p>
+          <a:p>
+            <a:pPr indent="-228600">
+              <a:lnSpc>
+                <a:spcPct val="90000"/>
+              </a:lnSpc>
+              <a:spcAft>
+                <a:spcPts val="600"/>
+              </a:spcAft>
+              <a:buFont typeface="Arial" panose="020B0604020202020204" pitchFamily="34" charset="0"/>
+              <a:buChar char="•"/>
+            </a:pPr>
+            <a:r>
+              <a:rPr lang="en-US" sz="1000" b="1" dirty="0"/>
+              <a:t>Remove Low-Value or Redundant Columns</a:t>
+            </a:r>
+            <a:br>
+              <a:rPr lang="en-US" sz="1000" dirty="0"/>
+            </a:br>
+            <a:r>
+              <a:rPr lang="en-US" sz="1000" dirty="0"/>
+              <a:t>- Variables that offered little predictive power or introduced noise—such as </a:t>
+            </a:r>
+            <a:r>
+              <a:rPr lang="en-US" sz="1000" i="1" dirty="0" err="1"/>
+              <a:t>VehYear</a:t>
+            </a:r>
+            <a:r>
+              <a:rPr lang="en-US" sz="1000" dirty="0"/>
+              <a:t>, </a:t>
+            </a:r>
+            <a:r>
+              <a:rPr lang="en-US" sz="1000" i="1" dirty="0"/>
+              <a:t>Model</a:t>
+            </a:r>
+            <a:r>
+              <a:rPr lang="en-US" sz="1000" dirty="0"/>
+              <a:t>, </a:t>
+            </a:r>
+            <a:r>
+              <a:rPr lang="en-US" sz="1000" i="1" dirty="0"/>
+              <a:t>Trim</a:t>
+            </a:r>
+            <a:r>
+              <a:rPr lang="en-US" sz="1000" dirty="0"/>
+              <a:t>, and others—were removed to simplify the model and improve performance.</a:t>
+            </a:r>
+          </a:p>
+          <a:p>
+            <a:pPr indent="-228600">
+              <a:lnSpc>
+                <a:spcPct val="90000"/>
+              </a:lnSpc>
+              <a:spcAft>
+                <a:spcPts val="600"/>
+              </a:spcAft>
+              <a:buFont typeface="Arial" panose="020B0604020202020204" pitchFamily="34" charset="0"/>
+              <a:buChar char="•"/>
+            </a:pPr>
+            <a:endParaRPr lang="en-US" sz="1000" dirty="0"/>
+          </a:p>
+          <a:p>
+            <a:pPr indent="-228600">
+              <a:lnSpc>
+                <a:spcPct val="90000"/>
+              </a:lnSpc>
+              <a:spcAft>
+                <a:spcPts val="600"/>
+              </a:spcAft>
+              <a:buFont typeface="Arial" panose="020B0604020202020204" pitchFamily="34" charset="0"/>
+              <a:buChar char="•"/>
+            </a:pPr>
+            <a:r>
+              <a:rPr lang="en-US" sz="1000" b="1" dirty="0"/>
+              <a:t>Handle Highly Correlated Numeric Predictors</a:t>
+            </a:r>
+            <a:br>
+              <a:rPr lang="en-US" sz="1000" dirty="0"/>
+            </a:br>
+            <a:r>
+              <a:rPr lang="en-US" sz="1000" dirty="0"/>
+              <a:t>- Numeric predictors with a correlation above 0.7 were removed to reduce multicollinearity and prevent redundant information from confusing the model.</a:t>
+            </a:r>
+          </a:p>
+          <a:p>
+            <a:pPr indent="-228600">
+              <a:lnSpc>
+                <a:spcPct val="90000"/>
+              </a:lnSpc>
+              <a:spcAft>
+                <a:spcPts val="600"/>
+              </a:spcAft>
+              <a:buFont typeface="Arial" panose="020B0604020202020204" pitchFamily="34" charset="0"/>
+              <a:buChar char="•"/>
+            </a:pPr>
+            <a:endParaRPr lang="en-US" sz="1000" dirty="0"/>
+          </a:p>
+          <a:p>
+            <a:pPr indent="-228600">
+              <a:lnSpc>
+                <a:spcPct val="90000"/>
+              </a:lnSpc>
+              <a:spcAft>
+                <a:spcPts val="600"/>
+              </a:spcAft>
+              <a:buFont typeface="Arial" panose="020B0604020202020204" pitchFamily="34" charset="0"/>
+              <a:buChar char="•"/>
+            </a:pPr>
+            <a:r>
+              <a:rPr lang="en-US" sz="1000" b="1" dirty="0"/>
+              <a:t>Combine Rare Categories</a:t>
+            </a:r>
+            <a:br>
+              <a:rPr lang="en-US" sz="1000" dirty="0"/>
+            </a:br>
+            <a:r>
+              <a:rPr lang="en-US" sz="1000" dirty="0"/>
+              <a:t>- Rare factor levels (threshold = 0.09) were grouped into an “Other” category to improve model stability.</a:t>
+            </a:r>
+          </a:p>
+          <a:p>
+            <a:pPr indent="-228600">
+              <a:lnSpc>
+                <a:spcPct val="90000"/>
+              </a:lnSpc>
+              <a:spcAft>
+                <a:spcPts val="600"/>
+              </a:spcAft>
+              <a:buFont typeface="Arial" panose="020B0604020202020204" pitchFamily="34" charset="0"/>
+              <a:buChar char="•"/>
+            </a:pPr>
+            <a:endParaRPr lang="en-US" sz="1000" dirty="0"/>
+          </a:p>
+          <a:p>
+            <a:pPr indent="-228600">
+              <a:lnSpc>
+                <a:spcPct val="90000"/>
+              </a:lnSpc>
+              <a:spcAft>
+                <a:spcPts val="600"/>
+              </a:spcAft>
+              <a:buFont typeface="Arial" panose="020B0604020202020204" pitchFamily="34" charset="0"/>
+              <a:buChar char="•"/>
+            </a:pPr>
+            <a:r>
+              <a:rPr lang="en-US" sz="1000" b="1" dirty="0"/>
+              <a:t>Prepare for Unseen Categories</a:t>
+            </a:r>
+            <a:br>
+              <a:rPr lang="en-US" sz="1000" dirty="0"/>
+            </a:br>
+            <a:r>
+              <a:rPr lang="en-US" sz="1000" dirty="0"/>
+              <a:t>- </a:t>
+            </a:r>
+            <a:r>
+              <a:rPr lang="en-US" sz="1000" dirty="0" err="1"/>
+              <a:t>step_novel</a:t>
+            </a:r>
+            <a:r>
+              <a:rPr lang="en-US" sz="1000" dirty="0"/>
+              <a:t>() and </a:t>
+            </a:r>
+            <a:r>
+              <a:rPr lang="en-US" sz="1000" dirty="0" err="1"/>
+              <a:t>step_unknown</a:t>
+            </a:r>
+            <a:r>
+              <a:rPr lang="en-US" sz="1000" dirty="0"/>
+              <a:t>() ensure the model can handle new or missing category values that appear in the test set.</a:t>
+            </a:r>
+          </a:p>
+          <a:p>
+            <a:pPr indent="-228600">
+              <a:lnSpc>
+                <a:spcPct val="90000"/>
+              </a:lnSpc>
+              <a:spcAft>
+                <a:spcPts val="600"/>
+              </a:spcAft>
+              <a:buFont typeface="Arial" panose="020B0604020202020204" pitchFamily="34" charset="0"/>
+              <a:buChar char="•"/>
+            </a:pPr>
+            <a:endParaRPr lang="en-US" sz="1000" dirty="0"/>
+          </a:p>
+          <a:p>
+            <a:pPr indent="-228600">
+              <a:lnSpc>
+                <a:spcPct val="90000"/>
+              </a:lnSpc>
+              <a:spcAft>
+                <a:spcPts val="600"/>
+              </a:spcAft>
+              <a:buFont typeface="Arial" panose="020B0604020202020204" pitchFamily="34" charset="0"/>
+              <a:buChar char="•"/>
+            </a:pPr>
+            <a:r>
+              <a:rPr lang="en-US" sz="1000" b="1" dirty="0"/>
+              <a:t>Convert Categorical Variables to Dummy Variables</a:t>
+            </a:r>
+            <a:br>
+              <a:rPr lang="en-US" sz="1000" dirty="0"/>
+            </a:br>
+            <a:r>
+              <a:rPr lang="en-US" sz="1000" dirty="0"/>
+              <a:t>- One-hot encoding (</a:t>
+            </a:r>
+            <a:r>
+              <a:rPr lang="en-US" sz="1000" dirty="0" err="1"/>
+              <a:t>step_dummy</a:t>
+            </a:r>
+            <a:r>
+              <a:rPr lang="en-US" sz="1000" dirty="0"/>
+              <a:t>()) transforms all factor variables into numeric indicator columns required by many machine learning models.</a:t>
+            </a:r>
+          </a:p>
+          <a:p>
+            <a:pPr indent="-228600">
+              <a:lnSpc>
+                <a:spcPct val="90000"/>
+              </a:lnSpc>
+              <a:spcAft>
+                <a:spcPts val="600"/>
+              </a:spcAft>
+              <a:buFont typeface="Arial" panose="020B0604020202020204" pitchFamily="34" charset="0"/>
+              <a:buChar char="•"/>
+            </a:pPr>
+            <a:endParaRPr lang="en-US" sz="1000" dirty="0"/>
+          </a:p>
+          <a:p>
+            <a:pPr indent="-228600">
+              <a:lnSpc>
+                <a:spcPct val="90000"/>
+              </a:lnSpc>
+              <a:spcAft>
+                <a:spcPts val="600"/>
+              </a:spcAft>
+              <a:buFont typeface="Arial" panose="020B0604020202020204" pitchFamily="34" charset="0"/>
+              <a:buChar char="•"/>
+            </a:pPr>
+            <a:r>
+              <a:rPr lang="en-US" sz="1000" b="1" dirty="0"/>
+              <a:t>Impute Missing Numeric Values</a:t>
+            </a:r>
+            <a:br>
+              <a:rPr lang="en-US" sz="1000" dirty="0"/>
+            </a:br>
+            <a:r>
+              <a:rPr lang="en-US" sz="1000" dirty="0"/>
+              <a:t>- Missing values in numeric predictors are filled using median imputation, a robust method that avoids distortion from outliers.</a:t>
+            </a:r>
+          </a:p>
+          <a:p>
+            <a:pPr indent="-228600">
+              <a:lnSpc>
+                <a:spcPct val="90000"/>
+              </a:lnSpc>
+              <a:spcAft>
+                <a:spcPts val="600"/>
+              </a:spcAft>
+              <a:buFont typeface="Arial" panose="020B0604020202020204" pitchFamily="34" charset="0"/>
+              <a:buChar char="•"/>
+            </a:pPr>
+            <a:endParaRPr lang="en-US" sz="1100" dirty="0"/>
           </a:p>
         </p:txBody>
       </p:sp>
@@ -4713,31 +5751,431 @@
           </a:p>
         </p:txBody>
       </p:sp>
-      <p:sp>
-        <p:nvSpPr>
-          <p:cNvPr id="3" name="Content Placeholder 2">
-            <a:extLst>
-              <a:ext uri="{FF2B5EF4-FFF2-40B4-BE49-F238E27FC236}">
-                <a16:creationId xmlns:a16="http://schemas.microsoft.com/office/drawing/2014/main" id="{EE1E0D7F-3B4D-2D70-5A3F-B725169C9EE3}"/>
-              </a:ext>
-            </a:extLst>
-          </p:cNvPr>
-          <p:cNvSpPr>
-            <a:spLocks noGrp="1"/>
-          </p:cNvSpPr>
+      <p:graphicFrame>
+        <p:nvGraphicFramePr>
+          <p:cNvPr id="4" name="Content Placeholder 3">
+            <a:extLst>
+              <a:ext uri="{FF2B5EF4-FFF2-40B4-BE49-F238E27FC236}">
+                <a16:creationId xmlns:a16="http://schemas.microsoft.com/office/drawing/2014/main" id="{5E540159-19FF-33F4-4F49-B0825F2163B4}"/>
+              </a:ext>
+            </a:extLst>
+          </p:cNvPr>
+          <p:cNvGraphicFramePr>
+            <a:graphicFrameLocks noGrp="1"/>
+          </p:cNvGraphicFramePr>
           <p:nvPr>
             <p:ph idx="1"/>
-          </p:nvPr>
-        </p:nvSpPr>
-        <p:spPr/>
-        <p:txBody>
-          <a:bodyPr/>
-          <a:lstStyle/>
-          <a:p>
-            <a:endParaRPr lang="en-US"/>
-          </a:p>
-        </p:txBody>
-      </p:sp>
+            <p:extLst>
+              <p:ext uri="{D42A27DB-BD31-4B8C-83A1-F6EECF244321}">
+                <p14:modId xmlns:p14="http://schemas.microsoft.com/office/powerpoint/2010/main" val="2913643571"/>
+              </p:ext>
+            </p:extLst>
+          </p:nvPr>
+        </p:nvGraphicFramePr>
+        <p:xfrm>
+          <a:off x="838200" y="1825624"/>
+          <a:ext cx="10515597" cy="4729063"/>
+        </p:xfrm>
+        <a:graphic>
+          <a:graphicData uri="http://schemas.openxmlformats.org/drawingml/2006/table">
+            <a:tbl>
+              <a:tblPr firstRow="1" bandRow="1">
+                <a:tableStyleId>{5C22544A-7EE6-4342-B048-85BDC9FD1C3A}</a:tableStyleId>
+              </a:tblPr>
+              <a:tblGrid>
+                <a:gridCol w="3505199">
+                  <a:extLst>
+                    <a:ext uri="{9D8B030D-6E8A-4147-A177-3AD203B41FA5}">
+                      <a16:colId xmlns:a16="http://schemas.microsoft.com/office/drawing/2014/main" val="1178814137"/>
+                    </a:ext>
+                  </a:extLst>
+                </a:gridCol>
+                <a:gridCol w="3505199">
+                  <a:extLst>
+                    <a:ext uri="{9D8B030D-6E8A-4147-A177-3AD203B41FA5}">
+                      <a16:colId xmlns:a16="http://schemas.microsoft.com/office/drawing/2014/main" val="2373764766"/>
+                    </a:ext>
+                  </a:extLst>
+                </a:gridCol>
+                <a:gridCol w="3505199">
+                  <a:extLst>
+                    <a:ext uri="{9D8B030D-6E8A-4147-A177-3AD203B41FA5}">
+                      <a16:colId xmlns:a16="http://schemas.microsoft.com/office/drawing/2014/main" val="1114396990"/>
+                    </a:ext>
+                  </a:extLst>
+                </a:gridCol>
+              </a:tblGrid>
+              <a:tr h="1162903">
+                <a:tc>
+                  <a:txBody>
+                    <a:bodyPr/>
+                    <a:lstStyle/>
+                    <a:p>
+                      <a:pPr marL="0" marR="0" lvl="0" indent="0" algn="l" defTabSz="914400" rtl="0" eaLnBrk="1" fontAlgn="auto" latinLnBrk="0" hangingPunct="1">
+                        <a:lnSpc>
+                          <a:spcPct val="100000"/>
+                        </a:lnSpc>
+                        <a:spcBef>
+                          <a:spcPts val="0"/>
+                        </a:spcBef>
+                        <a:spcAft>
+                          <a:spcPts val="0"/>
+                        </a:spcAft>
+                        <a:buClrTx/>
+                        <a:buSzTx/>
+                        <a:buFontTx/>
+                        <a:buNone/>
+                        <a:tabLst/>
+                        <a:defRPr/>
+                      </a:pPr>
+                      <a:r>
+                        <a:rPr lang="en-US" b="1" dirty="0"/>
+                        <a:t>Model 1: Random Forest + </a:t>
+                      </a:r>
+                      <a:r>
+                        <a:rPr lang="en-US" b="1" dirty="0" err="1"/>
+                        <a:t>LightGBM</a:t>
+                      </a:r>
+                      <a:r>
+                        <a:rPr lang="en-US" b="1" dirty="0"/>
+                        <a:t> Stacked Ensemble</a:t>
+                      </a:r>
+                    </a:p>
+                    <a:p>
+                      <a:endParaRPr lang="en-US" dirty="0"/>
+                    </a:p>
+                  </a:txBody>
+                  <a:tcPr/>
+                </a:tc>
+                <a:tc>
+                  <a:txBody>
+                    <a:bodyPr/>
+                    <a:lstStyle/>
+                    <a:p>
+                      <a:pPr marL="0" marR="0" lvl="0" indent="0" algn="l" defTabSz="914400" rtl="0" eaLnBrk="1" fontAlgn="auto" latinLnBrk="0" hangingPunct="1">
+                        <a:lnSpc>
+                          <a:spcPct val="100000"/>
+                        </a:lnSpc>
+                        <a:spcBef>
+                          <a:spcPts val="0"/>
+                        </a:spcBef>
+                        <a:spcAft>
+                          <a:spcPts val="0"/>
+                        </a:spcAft>
+                        <a:buClrTx/>
+                        <a:buSzTx/>
+                        <a:buFontTx/>
+                        <a:buNone/>
+                        <a:tabLst/>
+                        <a:defRPr/>
+                      </a:pPr>
+                      <a:r>
+                        <a:rPr lang="en-US" b="1" dirty="0"/>
+                        <a:t>Model 2: BART (Bayesian Additive Regression Trees)</a:t>
+                      </a:r>
+                    </a:p>
+                    <a:p>
+                      <a:endParaRPr lang="en-US" dirty="0"/>
+                    </a:p>
+                  </a:txBody>
+                  <a:tcPr/>
+                </a:tc>
+                <a:tc>
+                  <a:txBody>
+                    <a:bodyPr/>
+                    <a:lstStyle/>
+                    <a:p>
+                      <a:pPr marL="0" marR="0" lvl="0" indent="0" algn="l" defTabSz="914400" rtl="0" eaLnBrk="1" fontAlgn="auto" latinLnBrk="0" hangingPunct="1">
+                        <a:lnSpc>
+                          <a:spcPct val="100000"/>
+                        </a:lnSpc>
+                        <a:spcBef>
+                          <a:spcPts val="0"/>
+                        </a:spcBef>
+                        <a:spcAft>
+                          <a:spcPts val="0"/>
+                        </a:spcAft>
+                        <a:buClrTx/>
+                        <a:buSzTx/>
+                        <a:buFontTx/>
+                        <a:buNone/>
+                        <a:tabLst/>
+                        <a:defRPr/>
+                      </a:pPr>
+                      <a:r>
+                        <a:rPr lang="en-US" b="1" dirty="0"/>
+                        <a:t>Model 3: </a:t>
+                      </a:r>
+                      <a:r>
+                        <a:rPr lang="en-US" b="1" dirty="0" err="1"/>
+                        <a:t>XGBoost</a:t>
+                      </a:r>
+                      <a:r>
+                        <a:rPr lang="en-US" b="1" dirty="0"/>
+                        <a:t> (Boosted Trees)</a:t>
+                      </a:r>
+                    </a:p>
+                    <a:p>
+                      <a:endParaRPr lang="en-US" dirty="0"/>
+                    </a:p>
+                  </a:txBody>
+                  <a:tcPr/>
+                </a:tc>
+                <a:extLst>
+                  <a:ext uri="{0D108BD9-81ED-4DB2-BD59-A6C34878D82A}">
+                    <a16:rowId xmlns:a16="http://schemas.microsoft.com/office/drawing/2014/main" val="1817443623"/>
+                  </a:ext>
+                </a:extLst>
+              </a:tr>
+              <a:tr h="2394138">
+                <a:tc>
+                  <a:txBody>
+                    <a:bodyPr/>
+                    <a:lstStyle/>
+                    <a:p>
+                      <a:pPr marL="285750" indent="-285750">
+                        <a:buFont typeface="Arial" panose="020B0604020202020204" pitchFamily="34" charset="0"/>
+                        <a:buChar char="•"/>
+                      </a:pPr>
+                      <a:r>
+                        <a:rPr lang="en-US" sz="1600" dirty="0"/>
+                        <a:t>Combined two powerful learners (Random Forest + </a:t>
+                      </a:r>
+                      <a:r>
+                        <a:rPr lang="en-US" sz="1600" dirty="0" err="1"/>
+                        <a:t>LightGBM</a:t>
+                      </a:r>
+                      <a:r>
+                        <a:rPr lang="en-US" sz="1600" dirty="0"/>
+                        <a:t>) using stacking.</a:t>
+                      </a:r>
+                    </a:p>
+                    <a:p>
+                      <a:pPr marL="285750" indent="-285750">
+                        <a:buFont typeface="Arial" panose="020B0604020202020204" pitchFamily="34" charset="0"/>
+                        <a:buChar char="•"/>
+                      </a:pPr>
+                      <a:r>
+                        <a:rPr lang="en-US" sz="1600" dirty="0"/>
+                        <a:t>Used cross-validation and random grid search for efficient tuning.</a:t>
+                      </a:r>
+                    </a:p>
+                    <a:p>
+                      <a:pPr marL="285750" indent="-285750">
+                        <a:buFont typeface="Arial" panose="020B0604020202020204" pitchFamily="34" charset="0"/>
+                        <a:buChar char="•"/>
+                      </a:pPr>
+                      <a:r>
+                        <a:rPr lang="en-US" sz="1600" dirty="0"/>
+                        <a:t>Produced good overall performance, but slightly below the target.</a:t>
+                      </a:r>
+                    </a:p>
+                    <a:p>
+                      <a:pPr marL="285750" indent="-285750">
+                        <a:buFont typeface="Arial" panose="020B0604020202020204" pitchFamily="34" charset="0"/>
+                        <a:buChar char="•"/>
+                      </a:pPr>
+                      <a:r>
+                        <a:rPr lang="en-US" sz="1600" b="1" dirty="0"/>
+                        <a:t>Submission Score:</a:t>
+                      </a:r>
+                      <a:r>
+                        <a:rPr lang="en-US" sz="1600" dirty="0"/>
+                        <a:t> </a:t>
+                      </a:r>
+                      <a:r>
+                        <a:rPr lang="en-US" sz="1600" b="1" dirty="0"/>
+                        <a:t>0.23216</a:t>
+                      </a:r>
+                      <a:endParaRPr lang="en-US" sz="1600" dirty="0"/>
+                    </a:p>
+                  </a:txBody>
+                  <a:tcPr/>
+                </a:tc>
+                <a:tc>
+                  <a:txBody>
+                    <a:bodyPr/>
+                    <a:lstStyle/>
+                    <a:p>
+                      <a:pPr marL="285750" indent="-285750">
+                        <a:buFont typeface="Arial" panose="020B0604020202020204" pitchFamily="34" charset="0"/>
+                        <a:buChar char="•"/>
+                      </a:pPr>
+                      <a:r>
+                        <a:rPr lang="en-US" sz="1600" dirty="0"/>
+                        <a:t>Used BART with tuned tree counts to capture nonlinear structure in the data.</a:t>
+                      </a:r>
+                    </a:p>
+                    <a:p>
+                      <a:pPr marL="285750" indent="-285750">
+                        <a:buFont typeface="Arial" panose="020B0604020202020204" pitchFamily="34" charset="0"/>
+                        <a:buChar char="•"/>
+                      </a:pPr>
+                      <a:r>
+                        <a:rPr lang="en-US" sz="1600" dirty="0"/>
+                        <a:t>Included a simplified but carefully prepared recipe with dummy variables, correlation filtering, and median imputation.</a:t>
+                      </a:r>
+                    </a:p>
+                    <a:p>
+                      <a:pPr marL="285750" indent="-285750">
+                        <a:buFont typeface="Arial" panose="020B0604020202020204" pitchFamily="34" charset="0"/>
+                        <a:buChar char="•"/>
+                      </a:pPr>
+                      <a:r>
+                        <a:rPr lang="en-US" sz="1600" dirty="0"/>
+                        <a:t>BART’s additive tree structure handled complex interactions particularly well for this dataset.</a:t>
+                      </a:r>
+                    </a:p>
+                    <a:p>
+                      <a:pPr marL="285750" indent="-285750">
+                        <a:buFont typeface="Arial" panose="020B0604020202020204" pitchFamily="34" charset="0"/>
+                        <a:buChar char="•"/>
+                      </a:pPr>
+                      <a:r>
+                        <a:rPr lang="en-US" sz="1600" b="1" dirty="0"/>
+                        <a:t>Leaderboard Score:</a:t>
+                      </a:r>
+                      <a:r>
+                        <a:rPr lang="en-US" sz="1600" dirty="0"/>
+                        <a:t> </a:t>
+                      </a:r>
+                      <a:r>
+                        <a:rPr lang="en-US" sz="1600" b="1" dirty="0"/>
+                        <a:t>0.23576</a:t>
+                      </a:r>
+                      <a:endParaRPr lang="en-US" sz="1600" dirty="0"/>
+                    </a:p>
+                  </a:txBody>
+                  <a:tcPr/>
+                </a:tc>
+                <a:tc>
+                  <a:txBody>
+                    <a:bodyPr/>
+                    <a:lstStyle/>
+                    <a:p>
+                      <a:pPr marL="285750" indent="-285750">
+                        <a:buFont typeface="Arial" panose="020B0604020202020204" pitchFamily="34" charset="0"/>
+                        <a:buChar char="•"/>
+                      </a:pPr>
+                      <a:r>
+                        <a:rPr lang="en-US" sz="1600" dirty="0"/>
+                        <a:t>Gradient boosting model tuned with Latin hypercube sampling (</a:t>
+                      </a:r>
+                      <a:r>
+                        <a:rPr lang="en-US" sz="1800" kern="1200" dirty="0">
+                          <a:solidFill>
+                            <a:schemeClr val="dk1"/>
+                          </a:solidFill>
+                          <a:latin typeface="+mn-lt"/>
+                          <a:ea typeface="+mn-ea"/>
+                          <a:cs typeface="+mn-cs"/>
+                        </a:rPr>
+                        <a:t>trees</a:t>
+                      </a:r>
+                      <a:r>
+                        <a:rPr lang="en-US" sz="1600" dirty="0"/>
+                        <a:t>, </a:t>
+                      </a:r>
+                      <a:r>
+                        <a:rPr lang="en-US" sz="1800" kern="1200" dirty="0" err="1">
+                          <a:solidFill>
+                            <a:schemeClr val="dk1"/>
+                          </a:solidFill>
+                          <a:latin typeface="+mn-lt"/>
+                          <a:ea typeface="+mn-ea"/>
+                          <a:cs typeface="+mn-cs"/>
+                        </a:rPr>
+                        <a:t>learn_rate</a:t>
+                      </a:r>
+                      <a:r>
+                        <a:rPr lang="en-US" sz="1600" dirty="0"/>
+                        <a:t>, </a:t>
+                      </a:r>
+                      <a:r>
+                        <a:rPr lang="en-US" sz="1800" kern="1200" dirty="0">
+                          <a:solidFill>
+                            <a:schemeClr val="dk1"/>
+                          </a:solidFill>
+                          <a:latin typeface="+mn-lt"/>
+                          <a:ea typeface="+mn-ea"/>
+                          <a:cs typeface="+mn-cs"/>
+                        </a:rPr>
+                        <a:t>mtry</a:t>
+                      </a:r>
+                      <a:r>
+                        <a:rPr lang="en-US" sz="1600" dirty="0"/>
+                        <a:t>, </a:t>
+                      </a:r>
+                      <a:r>
+                        <a:rPr lang="en-US" sz="1800" kern="1200" dirty="0" err="1">
+                          <a:solidFill>
+                            <a:schemeClr val="dk1"/>
+                          </a:solidFill>
+                          <a:latin typeface="+mn-lt"/>
+                          <a:ea typeface="+mn-ea"/>
+                          <a:cs typeface="+mn-cs"/>
+                        </a:rPr>
+                        <a:t>tree_depth</a:t>
+                      </a:r>
+                      <a:r>
+                        <a:rPr lang="en-US" sz="1600" dirty="0"/>
+                        <a:t>)</a:t>
+                      </a:r>
+                    </a:p>
+                    <a:p>
+                      <a:pPr marL="285750" indent="-285750">
+                        <a:buFont typeface="Arial" panose="020B0604020202020204" pitchFamily="34" charset="0"/>
+                        <a:buChar char="•"/>
+                      </a:pPr>
+                      <a:r>
+                        <a:rPr lang="en-US" sz="1600" dirty="0"/>
+                        <a:t>Fast to train and highly efficient with large datasets</a:t>
+                      </a:r>
+                    </a:p>
+                    <a:p>
+                      <a:pPr marL="285750" indent="-285750">
+                        <a:buFont typeface="Arial" panose="020B0604020202020204" pitchFamily="34" charset="0"/>
+                        <a:buChar char="•"/>
+                      </a:pPr>
+                      <a:r>
+                        <a:rPr lang="en-US" sz="1600" dirty="0"/>
+                        <a:t>Automatically handles nonlinear relationships and variable interactions</a:t>
+                      </a:r>
+                    </a:p>
+                    <a:p>
+                      <a:pPr marL="285750" indent="-285750">
+                        <a:buFont typeface="Arial" panose="020B0604020202020204" pitchFamily="34" charset="0"/>
+                        <a:buChar char="•"/>
+                      </a:pPr>
+                      <a:r>
+                        <a:rPr lang="en-US" sz="1600" dirty="0"/>
+                        <a:t>Works especially well after recipe preprocessing (dummy variables, imputation, correlation filtering)</a:t>
+                      </a:r>
+                    </a:p>
+                    <a:p>
+                      <a:pPr marL="285750" indent="-285750">
+                        <a:buFont typeface="Arial" panose="020B0604020202020204" pitchFamily="34" charset="0"/>
+                        <a:buChar char="•"/>
+                      </a:pPr>
+                      <a:r>
+                        <a:rPr lang="en-US" sz="1600" b="1" dirty="0"/>
+                        <a:t>Leaderboard Score: 0.17332</a:t>
+                      </a:r>
+                      <a:endParaRPr lang="en-US" sz="1600" dirty="0"/>
+                    </a:p>
+                  </a:txBody>
+                  <a:tcPr/>
+                </a:tc>
+                <a:extLst>
+                  <a:ext uri="{0D108BD9-81ED-4DB2-BD59-A6C34878D82A}">
+                    <a16:rowId xmlns:a16="http://schemas.microsoft.com/office/drawing/2014/main" val="2529183205"/>
+                  </a:ext>
+                </a:extLst>
+              </a:tr>
+            </a:tbl>
+          </a:graphicData>
+        </a:graphic>
+      </p:graphicFrame>
     </p:spTree>
     <p:extLst>
       <p:ext uri="{BB962C8B-B14F-4D97-AF65-F5344CB8AC3E}">
@@ -4790,8 +6228,8 @@
           <a:lstStyle/>
           <a:p>
             <a:r>
-              <a:rPr lang="en-US"/>
-              <a:t>Details of Best Model</a:t>
+              <a:rPr lang="en-US" dirty="0"/>
+              <a:t>Details of Best Model: BART</a:t>
             </a:r>
           </a:p>
         </p:txBody>
@@ -4814,10 +6252,58 @@
         </p:nvSpPr>
         <p:spPr/>
         <p:txBody>
-          <a:bodyPr/>
+          <a:bodyPr>
+            <a:normAutofit fontScale="70000" lnSpcReduction="20000"/>
+          </a:bodyPr>
           <a:lstStyle/>
           <a:p>
-            <a:endParaRPr lang="en-US"/>
+            <a:r>
+              <a:rPr lang="en-US" dirty="0"/>
+              <a:t>The BART model works by combining </a:t>
+            </a:r>
+            <a:r>
+              <a:rPr lang="en-US" i="1" dirty="0"/>
+              <a:t>many</a:t>
+            </a:r>
+            <a:r>
+              <a:rPr lang="en-US" dirty="0"/>
+              <a:t> small regression trees, each contributing a tiny part to the final prediction. This “additive” structure helps it capture subtle, nonlinear relationships in the vehicle features.</a:t>
+            </a:r>
+          </a:p>
+          <a:p>
+            <a:r>
+              <a:rPr lang="en-US" dirty="0"/>
+              <a:t>Unlike traditional tree models, BART uses Bayesian principles, meaning it places priors on the tree structures and automatically regularizes the model. This prevents overfitting, which is especially important in a noisy dataset like </a:t>
+            </a:r>
+            <a:r>
+              <a:rPr lang="en-US" i="1" dirty="0"/>
+              <a:t>Don’t Get Kicked</a:t>
+            </a:r>
+            <a:r>
+              <a:rPr lang="en-US" dirty="0"/>
+              <a:t>.</a:t>
+            </a:r>
+          </a:p>
+          <a:p>
+            <a:r>
+              <a:rPr lang="en-US" dirty="0"/>
+              <a:t>BART excels in situations where interactions between variables are hard to hand-engineer. It can naturally uncover complex patterns related to things like mileage, age of vehicle, purchase auction, or condition.</a:t>
+            </a:r>
+          </a:p>
+          <a:p>
+            <a:r>
+              <a:rPr lang="en-US" dirty="0"/>
+              <a:t>The model produces probabilistic predictions rather than just fixed outputs. This gives more stable classification behavior by smoothing overly confident predictions from individual trees.</a:t>
+            </a:r>
+          </a:p>
+          <a:p>
+            <a:r>
+              <a:rPr lang="en-US" dirty="0"/>
+              <a:t>Because BART tends to emphasize generalizable structure rather than deep, highly variable trees, it handled the messy, categorical-heavy nature of the dataset more reliably than other models tested.</a:t>
+            </a:r>
+          </a:p>
+          <a:p>
+            <a:endParaRPr lang="en-US" dirty="0"/>
           </a:p>
         </p:txBody>
       </p:sp>
